--- a/doc/annotations.pptx
+++ b/doc/annotations.pptx
@@ -104,6 +104,11 @@
       </a:defRPr>
     </a:lvl9pPr>
   </p:defaultTextStyle>
+  <p:extLst>
+    <p:ext uri="{EFAFB233-063F-42B5-8137-9DF3F51BA10A}">
+      <p15:sldGuideLst xmlns:p15="http://schemas.microsoft.com/office/powerpoint/2012/main"/>
+    </p:ext>
+  </p:extLst>
 </p:presentation>
 </file>
 
@@ -256,7 +261,7 @@
           <a:p>
             <a:fld id="{35F0E0B1-08A3-434E-89B8-75FE37988561}" type="datetimeFigureOut">
               <a:rPr lang="LID4096" smtClean="0"/>
-              <a:t>01/30/2025</a:t>
+              <a:t>07/23/2025</a:t>
             </a:fld>
             <a:endParaRPr lang="LID4096"/>
           </a:p>
@@ -456,7 +461,7 @@
           <a:p>
             <a:fld id="{35F0E0B1-08A3-434E-89B8-75FE37988561}" type="datetimeFigureOut">
               <a:rPr lang="LID4096" smtClean="0"/>
-              <a:t>01/30/2025</a:t>
+              <a:t>07/23/2025</a:t>
             </a:fld>
             <a:endParaRPr lang="LID4096"/>
           </a:p>
@@ -666,7 +671,7 @@
           <a:p>
             <a:fld id="{35F0E0B1-08A3-434E-89B8-75FE37988561}" type="datetimeFigureOut">
               <a:rPr lang="LID4096" smtClean="0"/>
-              <a:t>01/30/2025</a:t>
+              <a:t>07/23/2025</a:t>
             </a:fld>
             <a:endParaRPr lang="LID4096"/>
           </a:p>
@@ -866,7 +871,7 @@
           <a:p>
             <a:fld id="{35F0E0B1-08A3-434E-89B8-75FE37988561}" type="datetimeFigureOut">
               <a:rPr lang="LID4096" smtClean="0"/>
-              <a:t>01/30/2025</a:t>
+              <a:t>07/23/2025</a:t>
             </a:fld>
             <a:endParaRPr lang="LID4096"/>
           </a:p>
@@ -1142,7 +1147,7 @@
           <a:p>
             <a:fld id="{35F0E0B1-08A3-434E-89B8-75FE37988561}" type="datetimeFigureOut">
               <a:rPr lang="LID4096" smtClean="0"/>
-              <a:t>01/30/2025</a:t>
+              <a:t>07/23/2025</a:t>
             </a:fld>
             <a:endParaRPr lang="LID4096"/>
           </a:p>
@@ -1410,7 +1415,7 @@
           <a:p>
             <a:fld id="{35F0E0B1-08A3-434E-89B8-75FE37988561}" type="datetimeFigureOut">
               <a:rPr lang="LID4096" smtClean="0"/>
-              <a:t>01/30/2025</a:t>
+              <a:t>07/23/2025</a:t>
             </a:fld>
             <a:endParaRPr lang="LID4096"/>
           </a:p>
@@ -1825,7 +1830,7 @@
           <a:p>
             <a:fld id="{35F0E0B1-08A3-434E-89B8-75FE37988561}" type="datetimeFigureOut">
               <a:rPr lang="LID4096" smtClean="0"/>
-              <a:t>01/30/2025</a:t>
+              <a:t>07/23/2025</a:t>
             </a:fld>
             <a:endParaRPr lang="LID4096"/>
           </a:p>
@@ -1967,7 +1972,7 @@
           <a:p>
             <a:fld id="{35F0E0B1-08A3-434E-89B8-75FE37988561}" type="datetimeFigureOut">
               <a:rPr lang="LID4096" smtClean="0"/>
-              <a:t>01/30/2025</a:t>
+              <a:t>07/23/2025</a:t>
             </a:fld>
             <a:endParaRPr lang="LID4096"/>
           </a:p>
@@ -2080,7 +2085,7 @@
           <a:p>
             <a:fld id="{35F0E0B1-08A3-434E-89B8-75FE37988561}" type="datetimeFigureOut">
               <a:rPr lang="LID4096" smtClean="0"/>
-              <a:t>01/30/2025</a:t>
+              <a:t>07/23/2025</a:t>
             </a:fld>
             <a:endParaRPr lang="LID4096"/>
           </a:p>
@@ -2393,7 +2398,7 @@
           <a:p>
             <a:fld id="{35F0E0B1-08A3-434E-89B8-75FE37988561}" type="datetimeFigureOut">
               <a:rPr lang="LID4096" smtClean="0"/>
-              <a:t>01/30/2025</a:t>
+              <a:t>07/23/2025</a:t>
             </a:fld>
             <a:endParaRPr lang="LID4096"/>
           </a:p>
@@ -2682,7 +2687,7 @@
           <a:p>
             <a:fld id="{35F0E0B1-08A3-434E-89B8-75FE37988561}" type="datetimeFigureOut">
               <a:rPr lang="LID4096" smtClean="0"/>
-              <a:t>01/30/2025</a:t>
+              <a:t>07/23/2025</a:t>
             </a:fld>
             <a:endParaRPr lang="LID4096"/>
           </a:p>
@@ -2925,7 +2930,7 @@
           <a:p>
             <a:fld id="{35F0E0B1-08A3-434E-89B8-75FE37988561}" type="datetimeFigureOut">
               <a:rPr lang="LID4096" smtClean="0"/>
-              <a:t>01/30/2025</a:t>
+              <a:t>07/23/2025</a:t>
             </a:fld>
             <a:endParaRPr lang="LID4096"/>
           </a:p>
@@ -3371,7 +3376,7 @@
         <p:spPr>
           <a:xfrm>
             <a:off x="2038864" y="12357"/>
-            <a:ext cx="8264659" cy="6735440"/>
+            <a:ext cx="8264659" cy="6735439"/>
           </a:xfrm>
           <a:prstGeom prst="rect">
             <a:avLst/>
@@ -4405,8 +4410,8 @@
             <a:avLst>
               <a:gd name="adj1" fmla="val 110876"/>
               <a:gd name="adj2" fmla="val 56841"/>
-              <a:gd name="adj3" fmla="val 279429"/>
-              <a:gd name="adj4" fmla="val 74601"/>
+              <a:gd name="adj3" fmla="val 252657"/>
+              <a:gd name="adj4" fmla="val 82064"/>
             </a:avLst>
           </a:prstGeom>
         </p:spPr>
@@ -4576,8 +4581,8 @@
           </a:xfrm>
           <a:prstGeom prst="borderCallout1">
             <a:avLst>
-              <a:gd name="adj1" fmla="val 150246"/>
-              <a:gd name="adj2" fmla="val 60821"/>
+              <a:gd name="adj1" fmla="val 125049"/>
+              <a:gd name="adj2" fmla="val 63806"/>
               <a:gd name="adj3" fmla="val 102264"/>
               <a:gd name="adj4" fmla="val 43756"/>
             </a:avLst>
@@ -4696,8 +4701,8 @@
           </a:xfrm>
           <a:prstGeom prst="borderCallout1">
             <a:avLst>
-              <a:gd name="adj1" fmla="val 256545"/>
-              <a:gd name="adj2" fmla="val 39926"/>
+              <a:gd name="adj1" fmla="val 247884"/>
+              <a:gd name="adj2" fmla="val 43906"/>
               <a:gd name="adj3" fmla="val 102264"/>
               <a:gd name="adj4" fmla="val 40273"/>
             </a:avLst>
@@ -4855,8 +4860,8 @@
             <a:avLst>
               <a:gd name="adj1" fmla="val 106939"/>
               <a:gd name="adj2" fmla="val 51866"/>
-              <a:gd name="adj3" fmla="val 151870"/>
-              <a:gd name="adj4" fmla="val 49726"/>
+              <a:gd name="adj3" fmla="val 148720"/>
+              <a:gd name="adj4" fmla="val 47238"/>
             </a:avLst>
           </a:prstGeom>
         </p:spPr>
@@ -4991,8 +4996,8 @@
             <a:avLst>
               <a:gd name="adj1" fmla="val 106939"/>
               <a:gd name="adj2" fmla="val 36443"/>
-              <a:gd name="adj3" fmla="val 288091"/>
-              <a:gd name="adj4" fmla="val 2960"/>
+              <a:gd name="adj3" fmla="val 251083"/>
+              <a:gd name="adj4" fmla="val 13905"/>
             </a:avLst>
           </a:prstGeom>
         </p:spPr>
@@ -5125,8 +5130,8 @@
           </a:xfrm>
           <a:prstGeom prst="borderCallout1">
             <a:avLst>
-              <a:gd name="adj1" fmla="val 154183"/>
-              <a:gd name="adj2" fmla="val -7835"/>
+              <a:gd name="adj1" fmla="val 153396"/>
+              <a:gd name="adj2" fmla="val 5598"/>
               <a:gd name="adj3" fmla="val 103839"/>
               <a:gd name="adj4" fmla="val 41268"/>
             </a:avLst>
@@ -5365,6 +5370,150 @@
             <a:endParaRPr lang="LID4096" dirty="0">
               <a:solidFill>
                 <a:schemeClr val="accent6"/>
+              </a:solidFill>
+            </a:endParaRPr>
+          </a:p>
+        </p:txBody>
+      </p:sp>
+      <p:sp>
+        <p:nvSpPr>
+          <p:cNvPr id="21" name="Callout: Line 20">
+            <a:extLst>
+              <a:ext uri="{FF2B5EF4-FFF2-40B4-BE49-F238E27FC236}">
+                <a16:creationId xmlns:a16="http://schemas.microsoft.com/office/drawing/2014/main" id="{AE53BEE2-DAD6-4EC9-B156-8803D83F2C08}"/>
+              </a:ext>
+            </a:extLst>
+          </p:cNvPr>
+          <p:cNvSpPr/>
+          <p:nvPr/>
+        </p:nvSpPr>
+        <p:spPr>
+          <a:xfrm>
+            <a:off x="661423" y="5942570"/>
+            <a:ext cx="1241854" cy="784654"/>
+          </a:xfrm>
+          <a:prstGeom prst="borderCallout1">
+            <a:avLst>
+              <a:gd name="adj1" fmla="val 71506"/>
+              <a:gd name="adj2" fmla="val 104602"/>
+              <a:gd name="adj3" fmla="val 55807"/>
+              <a:gd name="adj4" fmla="val 256194"/>
+            </a:avLst>
+          </a:prstGeom>
+        </p:spPr>
+        <p:style>
+          <a:lnRef idx="2">
+            <a:schemeClr val="accent2"/>
+          </a:lnRef>
+          <a:fillRef idx="1">
+            <a:schemeClr val="lt1"/>
+          </a:fillRef>
+          <a:effectRef idx="0">
+            <a:schemeClr val="accent2"/>
+          </a:effectRef>
+          <a:fontRef idx="minor">
+            <a:schemeClr val="dk1"/>
+          </a:fontRef>
+        </p:style>
+        <p:txBody>
+          <a:bodyPr rtlCol="0" anchor="ctr"/>
+          <a:lstStyle/>
+          <a:p>
+            <a:pPr algn="ctr"/>
+            <a:r>
+              <a:rPr lang="sl-SI" dirty="0">
+                <a:solidFill>
+                  <a:schemeClr val="accent2"/>
+                </a:solidFill>
+              </a:rPr>
+              <a:t>A</a:t>
+            </a:r>
+            <a:r>
+              <a:rPr lang="en-SI" dirty="0">
+                <a:solidFill>
+                  <a:schemeClr val="accent2"/>
+                </a:solidFill>
+              </a:rPr>
+              <a:t>d</a:t>
+            </a:r>
+            <a:r>
+              <a:rPr lang="sl-SI" dirty="0">
+                <a:solidFill>
+                  <a:schemeClr val="accent2"/>
+                </a:solidFill>
+              </a:rPr>
+              <a:t>d</a:t>
+            </a:r>
+            <a:r>
+              <a:rPr lang="en-SI" dirty="0" err="1">
+                <a:solidFill>
+                  <a:schemeClr val="accent2"/>
+                </a:solidFill>
+              </a:rPr>
+              <a:t>i</a:t>
+            </a:r>
+            <a:r>
+              <a:rPr lang="sl-SI" dirty="0">
+                <a:solidFill>
+                  <a:schemeClr val="accent2"/>
+                </a:solidFill>
+              </a:rPr>
+              <a:t>t</a:t>
+            </a:r>
+            <a:r>
+              <a:rPr lang="en-SI" dirty="0" err="1">
+                <a:solidFill>
+                  <a:schemeClr val="accent2"/>
+                </a:solidFill>
+              </a:rPr>
+              <a:t>i</a:t>
+            </a:r>
+            <a:r>
+              <a:rPr lang="sl-SI" dirty="0">
+                <a:solidFill>
+                  <a:schemeClr val="accent2"/>
+                </a:solidFill>
+              </a:rPr>
+              <a:t>o</a:t>
+            </a:r>
+            <a:r>
+              <a:rPr lang="en-SI" dirty="0">
+                <a:solidFill>
+                  <a:schemeClr val="accent2"/>
+                </a:solidFill>
+              </a:rPr>
+              <a:t>n</a:t>
+            </a:r>
+            <a:r>
+              <a:rPr lang="sl-SI" dirty="0">
+                <a:solidFill>
+                  <a:schemeClr val="accent2"/>
+                </a:solidFill>
+              </a:rPr>
+              <a:t>a</a:t>
+            </a:r>
+            <a:r>
+              <a:rPr lang="en-SI" dirty="0">
+                <a:solidFill>
+                  <a:schemeClr val="accent2"/>
+                </a:solidFill>
+              </a:rPr>
+              <a:t>l</a:t>
+            </a:r>
+          </a:p>
+          <a:p>
+            <a:pPr algn="ctr"/>
+            <a:r>
+              <a:rPr lang="en-SI" dirty="0">
+                <a:solidFill>
+                  <a:schemeClr val="accent2"/>
+                </a:solidFill>
+              </a:rPr>
+              <a:t>options</a:t>
+            </a:r>
+            <a:endParaRPr lang="LID4096" dirty="0">
+              <a:solidFill>
+                <a:schemeClr val="accent2"/>
               </a:solidFill>
             </a:endParaRPr>
           </a:p>
